--- a/_resources/templates/pptx/PS52007D.pptx
+++ b/_resources/templates/pptx/PS52007D.pptx
@@ -5,16 +5,15 @@
     <p:sldMasterId id="2147483686" r:id="rId1"/>
   </p:sldMasterIdLst>
   <p:notesMasterIdLst>
-    <p:notesMasterId r:id="rId9"/>
+    <p:notesMasterId r:id="rId8"/>
   </p:notesMasterIdLst>
   <p:sldIdLst>
     <p:sldId id="256" r:id="rId2"/>
     <p:sldId id="257" r:id="rId3"/>
     <p:sldId id="258" r:id="rId4"/>
-    <p:sldId id="259" r:id="rId5"/>
-    <p:sldId id="260" r:id="rId6"/>
-    <p:sldId id="261" r:id="rId7"/>
-    <p:sldId id="262" r:id="rId8"/>
+    <p:sldId id="260" r:id="rId5"/>
+    <p:sldId id="261" r:id="rId6"/>
+    <p:sldId id="262" r:id="rId7"/>
   </p:sldIdLst>
   <p:sldSz cx="12192000" cy="6858000"/>
   <p:notesSz cx="6858000" cy="9144000"/>
@@ -214,7 +213,7 @@
           <a:p>
             <a:fld id="{0F9C1CCF-B725-44A7-AA57-5E433BD85C9F}" type="datetimeFigureOut">
               <a:rPr lang="en-US" smtClean="0"/>
-              <a:t>1/31/22</a:t>
+              <a:t>9/29/24</a:t>
             </a:fld>
             <a:endParaRPr lang="en-US"/>
           </a:p>
@@ -556,7 +555,7 @@
           <a:p>
             <a:fld id="{18BDFEC3-8487-43E8-A154-7C12CBC1FFF2}" type="slidenum">
               <a:rPr lang="en-US"/>
-              <a:t>6</a:t>
+              <a:t>5</a:t>
             </a:fld>
             <a:endParaRPr lang="en-US"/>
           </a:p>
@@ -734,7 +733,7 @@
           <a:p>
             <a:fld id="{241EB5C9-1307-BA42-ABA2-0BC069CD8E7F}" type="datetimeFigureOut">
               <a:rPr lang="en-US" smtClean="0"/>
-              <a:t>1/31/22</a:t>
+              <a:t>9/29/24</a:t>
             </a:fld>
             <a:endParaRPr lang="en-US"/>
           </a:p>
@@ -863,7 +862,7 @@
             <a:lvl1pPr>
               <a:defRPr>
                 <a:solidFill>
-                  <a:srgbClr val="DC322F"/>
+                  <a:schemeClr val="tx1"/>
                 </a:solidFill>
               </a:defRPr>
             </a:lvl1pPr>
@@ -958,7 +957,7 @@
           <a:p>
             <a:fld id="{241EB5C9-1307-BA42-ABA2-0BC069CD8E7F}" type="datetimeFigureOut">
               <a:rPr lang="en-US" smtClean="0"/>
-              <a:t>1/31/22</a:t>
+              <a:t>9/29/24</a:t>
             </a:fld>
             <a:endParaRPr lang="en-US"/>
           </a:p>
@@ -1187,7 +1186,7 @@
           <a:p>
             <a:fld id="{241EB5C9-1307-BA42-ABA2-0BC069CD8E7F}" type="datetimeFigureOut">
               <a:rPr lang="en-US" smtClean="0"/>
-              <a:t>1/31/22</a:t>
+              <a:t>9/29/24</a:t>
             </a:fld>
             <a:endParaRPr lang="en-US"/>
           </a:p>
@@ -1363,7 +1362,7 @@
               <a:buNone/>
               <a:defRPr sz="2000" b="0">
                 <a:solidFill>
-                  <a:srgbClr val="DC322F"/>
+                  <a:schemeClr val="tx1"/>
                 </a:solidFill>
               </a:defRPr>
             </a:lvl1pPr>
@@ -1480,7 +1479,7 @@
           <a:p>
             <a:fld id="{241EB5C9-1307-BA42-ABA2-0BC069CD8E7F}" type="datetimeFigureOut">
               <a:rPr lang="en-US" smtClean="0"/>
-              <a:t>1/31/22</a:t>
+              <a:t>9/29/24</a:t>
             </a:fld>
             <a:endParaRPr lang="en-US"/>
           </a:p>
@@ -1611,7 +1610,7 @@
             <a:lvl1pPr>
               <a:defRPr sz="3200">
                 <a:solidFill>
-                  <a:srgbClr val="DC322F"/>
+                  <a:schemeClr val="tx1"/>
                 </a:solidFill>
                 <a:latin typeface="Trebuchet MS" panose="020B0703020202090204" pitchFamily="34" charset="0"/>
                 <a:cs typeface="Arial" panose="020B0604020202020204" pitchFamily="34" charset="0"/>
@@ -1754,7 +1753,7 @@
           <a:p>
             <a:fld id="{241EB5C9-1307-BA42-ABA2-0BC069CD8E7F}" type="datetimeFigureOut">
               <a:rPr lang="en-US" smtClean="0"/>
-              <a:t>1/31/22</a:t>
+              <a:t>9/29/24</a:t>
             </a:fld>
             <a:endParaRPr lang="en-US"/>
           </a:p>
@@ -1922,7 +1921,7 @@
           <a:p>
             <a:fld id="{241EB5C9-1307-BA42-ABA2-0BC069CD8E7F}" type="datetimeFigureOut">
               <a:rPr lang="en-US" smtClean="0"/>
-              <a:t>1/31/22</a:t>
+              <a:t>9/29/24</a:t>
             </a:fld>
             <a:endParaRPr lang="en-US"/>
           </a:p>
@@ -2051,7 +2050,7 @@
             <a:lvl1pPr>
               <a:defRPr>
                 <a:solidFill>
-                  <a:srgbClr val="DC322F"/>
+                  <a:schemeClr val="tx1"/>
                 </a:solidFill>
               </a:defRPr>
             </a:lvl1pPr>
@@ -2276,7 +2275,7 @@
           <a:p>
             <a:fld id="{241EB5C9-1307-BA42-ABA2-0BC069CD8E7F}" type="datetimeFigureOut">
               <a:rPr lang="en-US" smtClean="0"/>
-              <a:t>1/31/22</a:t>
+              <a:t>9/29/24</a:t>
             </a:fld>
             <a:endParaRPr lang="en-US"/>
           </a:p>
@@ -2405,7 +2404,7 @@
             <a:lvl1pPr>
               <a:defRPr>
                 <a:solidFill>
-                  <a:srgbClr val="DC322F"/>
+                  <a:schemeClr val="tx1"/>
                 </a:solidFill>
               </a:defRPr>
             </a:lvl1pPr>
@@ -2722,7 +2721,7 @@
           <a:p>
             <a:fld id="{241EB5C9-1307-BA42-ABA2-0BC069CD8E7F}" type="datetimeFigureOut">
               <a:rPr lang="en-US" smtClean="0"/>
-              <a:t>1/31/22</a:t>
+              <a:t>9/29/24</a:t>
             </a:fld>
             <a:endParaRPr lang="en-US"/>
           </a:p>
@@ -2888,7 +2887,7 @@
           <a:p>
             <a:fld id="{241EB5C9-1307-BA42-ABA2-0BC069CD8E7F}" type="datetimeFigureOut">
               <a:rPr lang="en-US" smtClean="0"/>
-              <a:t>1/31/22</a:t>
+              <a:t>9/29/24</a:t>
             </a:fld>
             <a:endParaRPr lang="en-US"/>
           </a:p>
@@ -3009,7 +3008,7 @@
           <a:p>
             <a:fld id="{241EB5C9-1307-BA42-ABA2-0BC069CD8E7F}" type="datetimeFigureOut">
               <a:rPr lang="en-US" smtClean="0"/>
-              <a:t>1/31/22</a:t>
+              <a:t>9/29/24</a:t>
             </a:fld>
             <a:endParaRPr lang="en-US"/>
           </a:p>
@@ -3140,7 +3139,7 @@
             <a:lvl1pPr>
               <a:defRPr sz="2800">
                 <a:solidFill>
-                  <a:srgbClr val="DC322F"/>
+                  <a:schemeClr val="tx1"/>
                 </a:solidFill>
               </a:defRPr>
             </a:lvl1pPr>
@@ -3341,7 +3340,7 @@
           <a:p>
             <a:fld id="{241EB5C9-1307-BA42-ABA2-0BC069CD8E7F}" type="datetimeFigureOut">
               <a:rPr lang="en-US" smtClean="0"/>
-              <a:t>1/31/22</a:t>
+              <a:t>9/29/24</a:t>
             </a:fld>
             <a:endParaRPr lang="en-US"/>
           </a:p>
@@ -3472,7 +3471,7 @@
             <a:lvl1pPr>
               <a:defRPr sz="2800">
                 <a:solidFill>
-                  <a:srgbClr val="DC322F"/>
+                  <a:schemeClr val="tx1"/>
                 </a:solidFill>
               </a:defRPr>
             </a:lvl1pPr>
@@ -3653,7 +3652,7 @@
           <a:p>
             <a:fld id="{241EB5C9-1307-BA42-ABA2-0BC069CD8E7F}" type="datetimeFigureOut">
               <a:rPr lang="en-US" smtClean="0"/>
-              <a:t>1/31/22</a:t>
+              <a:t>9/29/24</a:t>
             </a:fld>
             <a:endParaRPr lang="en-US"/>
           </a:p>
@@ -3740,7 +3739,7 @@
     <p:bg>
       <p:bgPr>
         <a:solidFill>
-          <a:srgbClr val="FFF8E7"/>
+          <a:srgbClr val="FFFCF2"/>
         </a:solidFill>
         <a:effectLst/>
       </p:bgPr>
@@ -3868,7 +3867,7 @@
           <a:p>
             <a:fld id="{241EB5C9-1307-BA42-ABA2-0BC069CD8E7F}" type="datetimeFigureOut">
               <a:rPr lang="en-US" smtClean="0"/>
-              <a:t>1/31/22</a:t>
+              <a:t>9/29/24</a:t>
             </a:fld>
             <a:endParaRPr lang="en-US"/>
           </a:p>
@@ -4003,6 +4002,36 @@
           </a:p>
         </p:txBody>
       </p:sp>
+      <p:pic>
+        <p:nvPicPr>
+          <p:cNvPr id="2" name="Picture 1" descr="A cartoon monkey holding a magnifying glass&#10;&#10;Description automatically generated">
+            <a:extLst>
+              <a:ext uri="{FF2B5EF4-FFF2-40B4-BE49-F238E27FC236}">
+                <a16:creationId xmlns:a16="http://schemas.microsoft.com/office/drawing/2014/main" id="{72DC9D06-A870-D4AB-1948-5435052EE000}"/>
+              </a:ext>
+            </a:extLst>
+          </p:cNvPr>
+          <p:cNvPicPr>
+            <a:picLocks noChangeAspect="1"/>
+          </p:cNvPicPr>
+          <p:nvPr userDrawn="1"/>
+        </p:nvPicPr>
+        <p:blipFill>
+          <a:blip r:embed="rId14"/>
+          <a:stretch>
+            <a:fillRect/>
+          </a:stretch>
+        </p:blipFill>
+        <p:spPr>
+          <a:xfrm>
+            <a:off x="11056677" y="5670030"/>
+            <a:ext cx="1051446" cy="1051446"/>
+          </a:xfrm>
+          <a:prstGeom prst="rect">
+            <a:avLst/>
+          </a:prstGeom>
+        </p:spPr>
+      </p:pic>
     </p:spTree>
     <p:extLst>
       <p:ext uri="{BB962C8B-B14F-4D97-AF65-F5344CB8AC3E}">
@@ -4037,9 +4066,9 @@
         <a:buNone/>
         <a:defRPr sz="3200" b="1" i="0" kern="1200" baseline="0">
           <a:solidFill>
-            <a:srgbClr val="DC322F"/>
+            <a:schemeClr val="tx1"/>
           </a:solidFill>
-          <a:latin typeface="Trebuchet MS" panose="020B0703020202090204" pitchFamily="34" charset="0"/>
+          <a:latin typeface="Atkinson Hyperlegible" pitchFamily="2" charset="0"/>
           <a:ea typeface="+mj-ea"/>
           <a:cs typeface="Gill Sans" panose="020B0502020104020203" pitchFamily="34" charset="-79"/>
         </a:defRPr>
@@ -4059,7 +4088,7 @@
           <a:solidFill>
             <a:srgbClr val="1A1A1A"/>
           </a:solidFill>
-          <a:latin typeface="Arial" panose="020B0604020202020204" pitchFamily="34" charset="0"/>
+          <a:latin typeface="Atkinson Hyperlegible" pitchFamily="2" charset="0"/>
           <a:ea typeface="+mn-ea"/>
           <a:cs typeface="Arial" panose="020B0604020202020204" pitchFamily="34" charset="0"/>
         </a:defRPr>
@@ -4077,7 +4106,7 @@
           <a:solidFill>
             <a:srgbClr val="1A1A1A"/>
           </a:solidFill>
-          <a:latin typeface="Arial" panose="020B0604020202020204" pitchFamily="34" charset="0"/>
+          <a:latin typeface="Atkinson Hyperlegible" pitchFamily="2" charset="0"/>
           <a:ea typeface="+mn-ea"/>
           <a:cs typeface="Arial" panose="020B0604020202020204" pitchFamily="34" charset="0"/>
         </a:defRPr>
@@ -4095,7 +4124,7 @@
           <a:solidFill>
             <a:srgbClr val="1A1A1A"/>
           </a:solidFill>
-          <a:latin typeface="Arial" panose="020B0604020202020204" pitchFamily="34" charset="0"/>
+          <a:latin typeface="Atkinson Hyperlegible" pitchFamily="2" charset="0"/>
           <a:ea typeface="+mn-ea"/>
           <a:cs typeface="Arial" panose="020B0604020202020204" pitchFamily="34" charset="0"/>
         </a:defRPr>
@@ -4113,7 +4142,7 @@
           <a:solidFill>
             <a:srgbClr val="1A1A1A"/>
           </a:solidFill>
-          <a:latin typeface="Arial" panose="020B0604020202020204" pitchFamily="34" charset="0"/>
+          <a:latin typeface="Atkinson Hyperlegible" pitchFamily="2" charset="0"/>
           <a:ea typeface="+mn-ea"/>
           <a:cs typeface="Arial" panose="020B0604020202020204" pitchFamily="34" charset="0"/>
         </a:defRPr>
@@ -4131,7 +4160,7 @@
           <a:solidFill>
             <a:srgbClr val="1A1A1A"/>
           </a:solidFill>
-          <a:latin typeface="Arial" panose="020B0604020202020204" pitchFamily="34" charset="0"/>
+          <a:latin typeface="Atkinson Hyperlegible" pitchFamily="2" charset="0"/>
           <a:ea typeface="+mn-ea"/>
           <a:cs typeface="Arial" panose="020B0604020202020204" pitchFamily="34" charset="0"/>
         </a:defRPr>
@@ -4386,11 +4415,21 @@
           <a:bodyPr/>
           <a:lstStyle/>
           <a:p>
-            <a:br/>
-            <a:br/>
-            <a:r>
-              <a:t>James Adams</a:t>
-            </a:r>
+            <a:br>
+              <a:rPr dirty="0"/>
+            </a:br>
+            <a:br>
+              <a:rPr dirty="0"/>
+            </a:br>
+            <a:r>
+              <a:rPr lang="en-GB" dirty="0" err="1"/>
+              <a:t>Dr.</a:t>
+            </a:r>
+            <a:r>
+              <a:rPr lang="en-GB" dirty="0"/>
+              <a:t> Gordon Wright</a:t>
+            </a:r>
+            <a:endParaRPr dirty="0"/>
           </a:p>
         </p:txBody>
       </p:sp>
@@ -4510,7 +4549,12 @@
           <a:lstStyle/>
           <a:p>
             <a:r>
-              <a:rPr dirty="0"/>
+              <a:rPr dirty="0">
+                <a:solidFill>
+                  <a:schemeClr val="tx1"/>
+                </a:solidFill>
+                <a:latin typeface="Atkinson Hyperlegible" pitchFamily="2" charset="0"/>
+              </a:rPr>
               <a:t>Test 2 Sub heading</a:t>
             </a:r>
           </a:p>
@@ -4548,10 +4592,9 @@
               </a:spcBef>
               <a:buNone/>
             </a:pPr>
-            <a:r>
-              <a:rPr dirty="0"/>
-              <a:t>Text here. Here is all my new material.</a:t>
-            </a:r>
+            <a:endParaRPr dirty="0">
+              <a:latin typeface="Atkinson Hyperlegible" pitchFamily="2" charset="0"/>
+            </a:endParaRPr>
           </a:p>
         </p:txBody>
       </p:sp>
@@ -4598,8 +4641,8 @@
         </p:nvSpPr>
         <p:spPr>
           <a:xfrm>
-            <a:off x="2152650" y="365129"/>
-            <a:ext cx="7886700" cy="1325563"/>
+            <a:off x="1097280" y="365129"/>
+            <a:ext cx="8942070" cy="1325563"/>
           </a:xfrm>
           <a:prstGeom prst="rect">
             <a:avLst/>
@@ -4610,41 +4653,42 @@
           <a:lstStyle/>
           <a:p>
             <a:r>
-              <a:t>New slide</a:t>
-            </a:r>
-          </a:p>
-        </p:txBody>
-      </p:sp>
-      <p:pic>
-        <p:nvPicPr>
-          <p:cNvPr id="3" name="Picture 1" descr="_images/cat.png"/>
-          <p:cNvPicPr>
-            <a:picLocks noGrp="1" noChangeAspect="1"/>
-          </p:cNvPicPr>
-          <p:nvPr/>
-        </p:nvPicPr>
-        <p:blipFill>
-          <a:blip r:embed="rId2"/>
-          <a:stretch>
-            <a:fillRect/>
-          </a:stretch>
-        </p:blipFill>
-        <p:spPr bwMode="auto">
-          <a:xfrm>
-            <a:off x="2159000" y="1816100"/>
-            <a:ext cx="7848600" cy="4343400"/>
-          </a:xfrm>
-          <a:prstGeom prst="rect">
-            <a:avLst/>
-          </a:prstGeom>
-          <a:noFill/>
-          <a:ln w="9525">
-            <a:noFill/>
-            <a:headEnd/>
-            <a:tailEnd/>
-          </a:ln>
-        </p:spPr>
-      </p:pic>
+              <a:rPr dirty="0"/>
+              <a:t>Incremental Lists</a:t>
+            </a:r>
+          </a:p>
+        </p:txBody>
+      </p:sp>
+      <p:sp>
+        <p:nvSpPr>
+          <p:cNvPr id="3" name="Content Placeholder 2">
+            <a:extLst>
+              <a:ext uri="{FF2B5EF4-FFF2-40B4-BE49-F238E27FC236}">
+                <a16:creationId xmlns:a16="http://schemas.microsoft.com/office/drawing/2014/main" id="{A4EB24F9-04F1-C843-9D71-56C5C024552B}"/>
+              </a:ext>
+            </a:extLst>
+          </p:cNvPr>
+          <p:cNvSpPr>
+            <a:spLocks noGrp="1"/>
+          </p:cNvSpPr>
+          <p:nvPr>
+            <p:ph idx="1"/>
+          </p:nvPr>
+        </p:nvSpPr>
+        <p:spPr/>
+        <p:txBody>
+          <a:bodyPr/>
+          <a:lstStyle/>
+          <a:p>
+            <a:pPr lvl="1">
+              <a:lnSpc>
+                <a:spcPct val="150000"/>
+              </a:lnSpc>
+            </a:pPr>
+            <a:endParaRPr dirty="0"/>
+          </a:p>
+        </p:txBody>
+      </p:sp>
     </p:spTree>
   </p:cSld>
   <p:clrMapOvr>
@@ -4688,8 +4732,8 @@
         </p:nvSpPr>
         <p:spPr>
           <a:xfrm>
-            <a:off x="1097280" y="365129"/>
-            <a:ext cx="8942070" cy="1325563"/>
+            <a:off x="838200" y="365129"/>
+            <a:ext cx="9201150" cy="1325563"/>
           </a:xfrm>
           <a:prstGeom prst="rect">
             <a:avLst/>
@@ -4701,7 +4745,7 @@
           <a:p>
             <a:r>
               <a:rPr dirty="0"/>
-              <a:t>Incremental Lists</a:t>
+              <a:t>Speaker Notes</a:t>
             </a:r>
           </a:p>
         </p:txBody>
@@ -4727,21 +4771,12 @@
           <a:bodyPr/>
           <a:lstStyle/>
           <a:p>
-            <a:pPr lvl="1">
-              <a:lnSpc>
-                <a:spcPct val="150000"/>
-              </a:lnSpc>
+            <a:pPr marL="0" indent="0">
+              <a:buNone/>
             </a:pPr>
             <a:r>
               <a:rPr dirty="0"/>
-              <a:t>Put in code fence</a:t>
-            </a:r>
-          </a:p>
-          <a:p>
-            <a:pPr lvl="1"/>
-            <a:r>
-              <a:rPr dirty="0"/>
-              <a:t>Using three colons</a:t>
+              <a:t>Include speaker notes in another fenced code block.</a:t>
             </a:r>
           </a:p>
         </p:txBody>
@@ -4755,98 +4790,6 @@
 </file>
 
 <file path=ppt/slides/slide6.xml><?xml version="1.0" encoding="utf-8"?>
-<p:sld xmlns:a="http://schemas.openxmlformats.org/drawingml/2006/main" xmlns:r="http://schemas.openxmlformats.org/officeDocument/2006/relationships" xmlns:p="http://schemas.openxmlformats.org/presentationml/2006/main">
-  <p:cSld>
-    <p:spTree>
-      <p:nvGrpSpPr>
-        <p:cNvPr id="1" name=""/>
-        <p:cNvGrpSpPr/>
-        <p:nvPr/>
-      </p:nvGrpSpPr>
-      <p:grpSpPr>
-        <a:xfrm>
-          <a:off x="0" y="0"/>
-          <a:ext cx="0" cy="0"/>
-          <a:chOff x="0" y="0"/>
-          <a:chExt cx="0" cy="0"/>
-        </a:xfrm>
-      </p:grpSpPr>
-      <p:sp>
-        <p:nvSpPr>
-          <p:cNvPr id="2" name="Title 1">
-            <a:extLst>
-              <a:ext uri="{FF2B5EF4-FFF2-40B4-BE49-F238E27FC236}">
-                <a16:creationId xmlns:a16="http://schemas.microsoft.com/office/drawing/2014/main" id="{DD9B8E45-0772-954C-8D4B-6E6808DFEDED}"/>
-              </a:ext>
-            </a:extLst>
-          </p:cNvPr>
-          <p:cNvSpPr>
-            <a:spLocks noGrp="1"/>
-          </p:cNvSpPr>
-          <p:nvPr>
-            <p:ph type="title"/>
-          </p:nvPr>
-        </p:nvSpPr>
-        <p:spPr>
-          <a:xfrm>
-            <a:off x="838200" y="365129"/>
-            <a:ext cx="9201150" cy="1325563"/>
-          </a:xfrm>
-          <a:prstGeom prst="rect">
-            <a:avLst/>
-          </a:prstGeom>
-        </p:spPr>
-        <p:txBody>
-          <a:bodyPr/>
-          <a:lstStyle/>
-          <a:p>
-            <a:r>
-              <a:rPr dirty="0"/>
-              <a:t>Speaker Notes</a:t>
-            </a:r>
-          </a:p>
-        </p:txBody>
-      </p:sp>
-      <p:sp>
-        <p:nvSpPr>
-          <p:cNvPr id="3" name="Content Placeholder 2">
-            <a:extLst>
-              <a:ext uri="{FF2B5EF4-FFF2-40B4-BE49-F238E27FC236}">
-                <a16:creationId xmlns:a16="http://schemas.microsoft.com/office/drawing/2014/main" id="{A4EB24F9-04F1-C843-9D71-56C5C024552B}"/>
-              </a:ext>
-            </a:extLst>
-          </p:cNvPr>
-          <p:cNvSpPr>
-            <a:spLocks noGrp="1"/>
-          </p:cNvSpPr>
-          <p:nvPr>
-            <p:ph idx="1"/>
-          </p:nvPr>
-        </p:nvSpPr>
-        <p:spPr/>
-        <p:txBody>
-          <a:bodyPr/>
-          <a:lstStyle/>
-          <a:p>
-            <a:pPr marL="0" indent="0">
-              <a:buNone/>
-            </a:pPr>
-            <a:r>
-              <a:rPr dirty="0"/>
-              <a:t>Include speaker notes in another fenced code block.</a:t>
-            </a:r>
-          </a:p>
-        </p:txBody>
-      </p:sp>
-    </p:spTree>
-  </p:cSld>
-  <p:clrMapOvr>
-    <a:masterClrMapping/>
-  </p:clrMapOvr>
-</p:sld>
-</file>
-
-<file path=ppt/slides/slide7.xml><?xml version="1.0" encoding="utf-8"?>
 <p:sld xmlns:a="http://schemas.openxmlformats.org/drawingml/2006/main" xmlns:r="http://schemas.openxmlformats.org/officeDocument/2006/relationships" xmlns:p="http://schemas.openxmlformats.org/presentationml/2006/main">
   <p:cSld>
     <p:spTree>
